--- a/4.Model/DatabaseEssentials.pptx
+++ b/4.Model/DatabaseEssentials.pptx
@@ -27201,7 +27201,40 @@
                 <a:ea typeface="Roboto"/>
                 <a:sym typeface="Roboto"/>
               </a:rPr>
-              <a:t>nvarchar(50) – тип данных строка (string), которая может содержать до 50 символов</a:t>
+              <a:t>nvarchar(50) – тип данных строка (string), которая может содержать до </a:t>
+            </a:r>
+            <a:r>
+              <a:rPr lang="en-US" sz="1800">
+                <a:solidFill>
+                  <a:schemeClr val="dk1"/>
+                </a:solidFill>
+                <a:latin typeface="Roboto"/>
+                <a:ea typeface="Roboto"/>
+                <a:sym typeface="Roboto"/>
+              </a:rPr>
+              <a:t>25</a:t>
+            </a:r>
+            <a:r>
+              <a:rPr lang="ru-RU" sz="1800">
+                <a:solidFill>
+                  <a:schemeClr val="dk1"/>
+                </a:solidFill>
+                <a:latin typeface="Roboto"/>
+                <a:ea typeface="Roboto"/>
+                <a:sym typeface="Roboto"/>
+              </a:rPr>
+              <a:t> </a:t>
+            </a:r>
+            <a:r>
+              <a:rPr lang="ru-RU" sz="1800" dirty="0">
+                <a:solidFill>
+                  <a:schemeClr val="dk1"/>
+                </a:solidFill>
+                <a:latin typeface="Roboto"/>
+                <a:ea typeface="Roboto"/>
+                <a:sym typeface="Roboto"/>
+              </a:rPr>
+              <a:t>символов</a:t>
             </a:r>
           </a:p>
           <a:p>

--- a/4.Model/DatabaseEssentials.pptx
+++ b/4.Model/DatabaseEssentials.pptx
@@ -22992,7 +22992,7 @@
 </file>
 
 <file path=ppt/slides/slide13.xml><?xml version="1.0" encoding="utf-8"?>
-<p:sld xmlns:a="http://schemas.openxmlformats.org/drawingml/2006/main" xmlns:r="http://schemas.openxmlformats.org/officeDocument/2006/relationships" xmlns:p="http://schemas.openxmlformats.org/presentationml/2006/main">
+<p:sld xmlns:a="http://schemas.openxmlformats.org/drawingml/2006/main" xmlns:r="http://schemas.openxmlformats.org/officeDocument/2006/relationships" xmlns:p="http://schemas.openxmlformats.org/presentationml/2006/main" show="0">
   <p:cSld>
     <p:spTree>
       <p:nvGrpSpPr>
@@ -23614,7 +23614,7 @@
 </file>
 
 <file path=ppt/slides/slide14.xml><?xml version="1.0" encoding="utf-8"?>
-<p:sld xmlns:a="http://schemas.openxmlformats.org/drawingml/2006/main" xmlns:r="http://schemas.openxmlformats.org/officeDocument/2006/relationships" xmlns:p="http://schemas.openxmlformats.org/presentationml/2006/main">
+<p:sld xmlns:a="http://schemas.openxmlformats.org/drawingml/2006/main" xmlns:r="http://schemas.openxmlformats.org/officeDocument/2006/relationships" xmlns:p="http://schemas.openxmlformats.org/presentationml/2006/main" show="0">
   <p:cSld>
     <p:spTree>
       <p:nvGrpSpPr>
@@ -24120,7 +24120,7 @@
 </file>
 
 <file path=ppt/slides/slide15.xml><?xml version="1.0" encoding="utf-8"?>
-<p:sld xmlns:a="http://schemas.openxmlformats.org/drawingml/2006/main" xmlns:r="http://schemas.openxmlformats.org/officeDocument/2006/relationships" xmlns:p="http://schemas.openxmlformats.org/presentationml/2006/main">
+<p:sld xmlns:a="http://schemas.openxmlformats.org/drawingml/2006/main" xmlns:r="http://schemas.openxmlformats.org/officeDocument/2006/relationships" xmlns:p="http://schemas.openxmlformats.org/presentationml/2006/main" show="0">
   <p:cSld>
     <p:spTree>
       <p:nvGrpSpPr>
@@ -24703,7 +24703,7 @@
 </file>
 
 <file path=ppt/slides/slide16.xml><?xml version="1.0" encoding="utf-8"?>
-<p:sld xmlns:a="http://schemas.openxmlformats.org/drawingml/2006/main" xmlns:r="http://schemas.openxmlformats.org/officeDocument/2006/relationships" xmlns:p="http://schemas.openxmlformats.org/presentationml/2006/main">
+<p:sld xmlns:a="http://schemas.openxmlformats.org/drawingml/2006/main" xmlns:r="http://schemas.openxmlformats.org/officeDocument/2006/relationships" xmlns:p="http://schemas.openxmlformats.org/presentationml/2006/main" show="0">
   <p:cSld>
     <p:spTree>
       <p:nvGrpSpPr>
@@ -27204,7 +27204,7 @@
               <a:t>nvarchar(50) – тип данных строка (string), которая может содержать до </a:t>
             </a:r>
             <a:r>
-              <a:rPr lang="en-US" sz="1800">
+              <a:rPr lang="en-US" sz="1800" dirty="0">
                 <a:solidFill>
                   <a:schemeClr val="dk1"/>
                 </a:solidFill>
@@ -27215,7 +27215,7 @@
               <a:t>25</a:t>
             </a:r>
             <a:r>
-              <a:rPr lang="ru-RU" sz="1800">
+              <a:rPr lang="ru-RU" sz="1800" dirty="0">
                 <a:solidFill>
                   <a:schemeClr val="dk1"/>
                 </a:solidFill>
@@ -27223,18 +27223,7 @@
                 <a:ea typeface="Roboto"/>
                 <a:sym typeface="Roboto"/>
               </a:rPr>
-              <a:t> </a:t>
-            </a:r>
-            <a:r>
-              <a:rPr lang="ru-RU" sz="1800" dirty="0">
-                <a:solidFill>
-                  <a:schemeClr val="dk1"/>
-                </a:solidFill>
-                <a:latin typeface="Roboto"/>
-                <a:ea typeface="Roboto"/>
-                <a:sym typeface="Roboto"/>
-              </a:rPr>
-              <a:t>символов</a:t>
+              <a:t> символов</a:t>
             </a:r>
           </a:p>
           <a:p>
